--- a/GPIO.pptx
+++ b/GPIO.pptx
@@ -5,10 +5,10 @@
     <p:sldMasterId id="2147483660" r:id="rId2"/>
   </p:sldMasterIdLst>
   <p:notesMasterIdLst>
-    <p:notesMasterId r:id="rId10"/>
+    <p:notesMasterId r:id="rId11"/>
   </p:notesMasterIdLst>
   <p:handoutMasterIdLst>
-    <p:handoutMasterId r:id="rId11"/>
+    <p:handoutMasterId r:id="rId12"/>
   </p:handoutMasterIdLst>
   <p:sldIdLst>
     <p:sldId id="257" r:id="rId3"/>
@@ -18,6 +18,7 @@
     <p:sldId id="274" r:id="rId7"/>
     <p:sldId id="270" r:id="rId8"/>
     <p:sldId id="273" r:id="rId9"/>
+    <p:sldId id="275" r:id="rId10"/>
   </p:sldIdLst>
   <p:sldSz cx="12188825" cy="6858000"/>
   <p:notesSz cx="6858000" cy="9144000"/>
@@ -134,7 +135,7 @@
             <a:srgbClr val="A4A3A4"/>
           </p15:clr>
         </p15:guide>
-        <p15:guide id="4" orient="horz" pos="368">
+        <p15:guide id="4" orient="horz" pos="346" userDrawn="1">
           <p15:clr>
             <a:srgbClr val="A4A3A4"/>
           </p15:clr>
@@ -1485,6 +1486,128 @@
     <p:extLst>
       <p:ext uri="{BB962C8B-B14F-4D97-AF65-F5344CB8AC3E}">
         <p14:creationId xmlns:p14="http://schemas.microsoft.com/office/powerpoint/2010/main" val="1874567380"/>
+      </p:ext>
+    </p:extLst>
+  </p:cSld>
+  <p:clrMapOvr>
+    <a:masterClrMapping/>
+  </p:clrMapOvr>
+</p:notes>
+</file>
+
+<file path=ppt/notesSlides/notesSlide6.xml><?xml version="1.0" encoding="utf-8"?>
+<p:notes xmlns:a="http://schemas.openxmlformats.org/drawingml/2006/main" xmlns:r="http://schemas.openxmlformats.org/officeDocument/2006/relationships" xmlns:p="http://schemas.openxmlformats.org/presentationml/2006/main">
+  <p:cSld>
+    <p:spTree>
+      <p:nvGrpSpPr>
+        <p:cNvPr id="1" name=""/>
+        <p:cNvGrpSpPr/>
+        <p:nvPr/>
+      </p:nvGrpSpPr>
+      <p:grpSpPr>
+        <a:xfrm>
+          <a:off x="0" y="0"/>
+          <a:ext cx="0" cy="0"/>
+          <a:chOff x="0" y="0"/>
+          <a:chExt cx="0" cy="0"/>
+        </a:xfrm>
+      </p:grpSpPr>
+      <p:sp>
+        <p:nvSpPr>
+          <p:cNvPr id="2" name="Folienbildplatzhalter 1"/>
+          <p:cNvSpPr>
+            <a:spLocks noGrp="1" noRot="1" noChangeAspect="1"/>
+          </p:cNvSpPr>
+          <p:nvPr>
+            <p:ph type="sldImg"/>
+          </p:nvPr>
+        </p:nvSpPr>
+        <p:spPr/>
+      </p:sp>
+      <p:sp>
+        <p:nvSpPr>
+          <p:cNvPr id="3" name="Notizenplatzhalter 2"/>
+          <p:cNvSpPr>
+            <a:spLocks noGrp="1"/>
+          </p:cNvSpPr>
+          <p:nvPr>
+            <p:ph type="body" idx="1"/>
+          </p:nvPr>
+        </p:nvSpPr>
+        <p:spPr/>
+        <p:txBody>
+          <a:bodyPr/>
+          <a:lstStyle/>
+          <a:p>
+            <a:r>
+              <a:rPr lang="en-US" dirty="0" err="1"/>
+              <a:t>Kurze</a:t>
+            </a:r>
+            <a:r>
+              <a:rPr lang="en-US" dirty="0"/>
+              <a:t> </a:t>
+            </a:r>
+            <a:r>
+              <a:rPr lang="en-US" dirty="0" err="1"/>
+              <a:t>Erklärung</a:t>
+            </a:r>
+            <a:r>
+              <a:rPr lang="en-US" baseline="0" dirty="0"/>
+              <a:t> </a:t>
+            </a:r>
+            <a:r>
+              <a:rPr lang="en-US" baseline="0" dirty="0" err="1"/>
+              <a:t>vom</a:t>
+            </a:r>
+            <a:r>
+              <a:rPr lang="en-US" baseline="0" dirty="0"/>
+              <a:t> Code</a:t>
+            </a:r>
+          </a:p>
+          <a:p>
+            <a:r>
+              <a:rPr lang="en-US" baseline="0" dirty="0"/>
+              <a:t>Wiring</a:t>
+            </a:r>
+          </a:p>
+          <a:p>
+            <a:r>
+              <a:rPr lang="en-US" baseline="0" dirty="0"/>
+              <a:t>Demo</a:t>
+            </a:r>
+          </a:p>
+          <a:p>
+            <a:endParaRPr lang="de-CH" dirty="0"/>
+          </a:p>
+        </p:txBody>
+      </p:sp>
+      <p:sp>
+        <p:nvSpPr>
+          <p:cNvPr id="4" name="Foliennummernplatzhalter 3"/>
+          <p:cNvSpPr>
+            <a:spLocks noGrp="1"/>
+          </p:cNvSpPr>
+          <p:nvPr>
+            <p:ph type="sldNum" sz="quarter" idx="10"/>
+          </p:nvPr>
+        </p:nvSpPr>
+        <p:spPr/>
+        <p:txBody>
+          <a:bodyPr/>
+          <a:lstStyle/>
+          <a:p>
+            <a:fld id="{3EBA5BD7-F043-4D1B-AA17-CD412FC534DE}" type="slidenum">
+              <a:rPr lang="de-CH" smtClean="0"/>
+              <a:t>8</a:t>
+            </a:fld>
+            <a:endParaRPr lang="de-CH"/>
+          </a:p>
+        </p:txBody>
+      </p:sp>
+    </p:spTree>
+    <p:extLst>
+      <p:ext uri="{BB962C8B-B14F-4D97-AF65-F5344CB8AC3E}">
+        <p14:creationId xmlns:p14="http://schemas.microsoft.com/office/powerpoint/2010/main" val="2395025226"/>
       </p:ext>
     </p:extLst>
   </p:cSld>
@@ -7235,6 +7358,106 @@
     <p:extLst>
       <p:ext uri="{BB962C8B-B14F-4D97-AF65-F5344CB8AC3E}">
         <p14:creationId xmlns:p14="http://schemas.microsoft.com/office/powerpoint/2010/main" val="3244422617"/>
+      </p:ext>
+    </p:extLst>
+  </p:cSld>
+  <p:clrMapOvr>
+    <a:masterClrMapping/>
+  </p:clrMapOvr>
+  <mc:AlternateContent xmlns:mc="http://schemas.openxmlformats.org/markup-compatibility/2006" xmlns:p14="http://schemas.microsoft.com/office/powerpoint/2010/main">
+    <mc:Choice Requires="p14">
+      <p:transition spd="med" p14:dur="700">
+        <p:fade/>
+      </p:transition>
+    </mc:Choice>
+    <mc:Fallback xmlns="">
+      <p:transition spd="med">
+        <p:fade/>
+      </p:transition>
+    </mc:Fallback>
+  </mc:AlternateContent>
+</p:sld>
+</file>
+
+<file path=ppt/slides/slide8.xml><?xml version="1.0" encoding="utf-8"?>
+<p:sld xmlns:a="http://schemas.openxmlformats.org/drawingml/2006/main" xmlns:r="http://schemas.openxmlformats.org/officeDocument/2006/relationships" xmlns:p="http://schemas.openxmlformats.org/presentationml/2006/main">
+  <p:cSld>
+    <p:spTree>
+      <p:nvGrpSpPr>
+        <p:cNvPr id="1" name=""/>
+        <p:cNvGrpSpPr/>
+        <p:nvPr/>
+      </p:nvGrpSpPr>
+      <p:grpSpPr>
+        <a:xfrm>
+          <a:off x="0" y="0"/>
+          <a:ext cx="0" cy="0"/>
+          <a:chOff x="0" y="0"/>
+          <a:chExt cx="0" cy="0"/>
+        </a:xfrm>
+      </p:grpSpPr>
+      <p:sp>
+        <p:nvSpPr>
+          <p:cNvPr id="2" name="Titel 1"/>
+          <p:cNvSpPr>
+            <a:spLocks noGrp="1"/>
+          </p:cNvSpPr>
+          <p:nvPr>
+            <p:ph type="title"/>
+          </p:nvPr>
+        </p:nvSpPr>
+        <p:spPr/>
+        <p:txBody>
+          <a:bodyPr/>
+          <a:lstStyle/>
+          <a:p>
+            <a:r>
+              <a:rPr lang="en-US" dirty="0"/>
+              <a:t>DEMO</a:t>
+            </a:r>
+            <a:endParaRPr lang="de-CH" dirty="0"/>
+          </a:p>
+        </p:txBody>
+      </p:sp>
+      <p:sp>
+        <p:nvSpPr>
+          <p:cNvPr id="3" name="Textplatzhalter 2"/>
+          <p:cNvSpPr>
+            <a:spLocks noGrp="1"/>
+          </p:cNvSpPr>
+          <p:nvPr>
+            <p:ph type="body" idx="1"/>
+          </p:nvPr>
+        </p:nvSpPr>
+        <p:spPr/>
+        <p:txBody>
+          <a:bodyPr/>
+          <a:lstStyle/>
+          <a:p>
+            <a:r>
+              <a:rPr lang="en-US" dirty="0" err="1"/>
+              <a:t>Ansteuerung</a:t>
+            </a:r>
+            <a:r>
+              <a:rPr lang="en-US" dirty="0"/>
+              <a:t> LCD </a:t>
+            </a:r>
+            <a:r>
+              <a:rPr lang="en-US" dirty="0" err="1"/>
+              <a:t>über</a:t>
+            </a:r>
+            <a:r>
+              <a:rPr lang="en-US" dirty="0"/>
+              <a:t> GPIO</a:t>
+            </a:r>
+            <a:endParaRPr lang="de-CH" dirty="0"/>
+          </a:p>
+        </p:txBody>
+      </p:sp>
+    </p:spTree>
+    <p:extLst>
+      <p:ext uri="{BB962C8B-B14F-4D97-AF65-F5344CB8AC3E}">
+        <p14:creationId xmlns:p14="http://schemas.microsoft.com/office/powerpoint/2010/main" val="82149052"/>
       </p:ext>
     </p:extLst>
   </p:cSld>

--- a/GPIO.pptx
+++ b/GPIO.pptx
@@ -5,10 +5,10 @@
     <p:sldMasterId id="2147483660" r:id="rId2"/>
   </p:sldMasterIdLst>
   <p:notesMasterIdLst>
-    <p:notesMasterId r:id="rId11"/>
+    <p:notesMasterId r:id="rId12"/>
   </p:notesMasterIdLst>
   <p:handoutMasterIdLst>
-    <p:handoutMasterId r:id="rId12"/>
+    <p:handoutMasterId r:id="rId13"/>
   </p:handoutMasterIdLst>
   <p:sldIdLst>
     <p:sldId id="257" r:id="rId3"/>
@@ -18,7 +18,8 @@
     <p:sldId id="274" r:id="rId7"/>
     <p:sldId id="270" r:id="rId8"/>
     <p:sldId id="273" r:id="rId9"/>
-    <p:sldId id="275" r:id="rId10"/>
+    <p:sldId id="278" r:id="rId10"/>
+    <p:sldId id="275" r:id="rId11"/>
   </p:sldIdLst>
   <p:sldSz cx="12188825" cy="6858000"/>
   <p:notesSz cx="6858000" cy="9144000"/>
@@ -257,7 +258,7 @@
           <a:p>
             <a:fld id="{FE5B4EDC-59C0-49C7-8ADA-5A781B329E02}" type="datetimeFigureOut">
               <a:rPr lang="de-DE"/>
-              <a:t>24.03.2016</a:t>
+              <a:t>28.03.2016</a:t>
             </a:fld>
             <a:endParaRPr/>
           </a:p>
@@ -422,7 +423,7 @@
           <a:p>
             <a:fld id="{F2D8D46A-B586-417D-BFBD-8C8FE0AAF762}" type="datetimeFigureOut">
               <a:rPr lang="de-DE"/>
-              <a:t>24.03.2016</a:t>
+              <a:t>28.03.2016</a:t>
             </a:fld>
             <a:endParaRPr/>
           </a:p>
@@ -1540,16 +1541,8 @@
           <a:lstStyle/>
           <a:p>
             <a:r>
-              <a:rPr lang="en-US" dirty="0" err="1"/>
-              <a:t>Kurze</a:t>
-            </a:r>
-            <a:r>
               <a:rPr lang="en-US" dirty="0"/>
-              <a:t> </a:t>
-            </a:r>
-            <a:r>
-              <a:rPr lang="en-US" dirty="0" err="1"/>
-              <a:t>Erklärung</a:t>
+              <a:t>Register-Shift</a:t>
             </a:r>
             <a:r>
               <a:rPr lang="en-US" baseline="0" dirty="0"/>
@@ -1557,26 +1550,60 @@
             </a:r>
             <a:r>
               <a:rPr lang="en-US" baseline="0" dirty="0" err="1"/>
-              <a:t>vom</a:t>
+              <a:t>Beispiel</a:t>
             </a:r>
             <a:r>
               <a:rPr lang="en-US" baseline="0" dirty="0"/>
-              <a:t> Code</a:t>
-            </a:r>
-          </a:p>
-          <a:p>
+              <a:t> an </a:t>
+            </a:r>
+            <a:r>
+              <a:rPr lang="en-US" baseline="0" dirty="0" err="1"/>
+              <a:t>Tafel</a:t>
+            </a:r>
             <a:r>
               <a:rPr lang="en-US" baseline="0" dirty="0"/>
-              <a:t>Wiring</a:t>
-            </a:r>
-          </a:p>
-          <a:p>
+              <a:t> (</a:t>
+            </a:r>
+            <a:r>
+              <a:rPr lang="en-US" baseline="0" dirty="0" err="1"/>
+              <a:t>Backref</a:t>
+            </a:r>
             <a:r>
               <a:rPr lang="en-US" baseline="0" dirty="0"/>
-              <a:t>Demo</a:t>
-            </a:r>
-          </a:p>
-          <a:p>
+              <a:t>. auf </a:t>
+            </a:r>
+            <a:r>
+              <a:rPr lang="en-US" baseline="0" dirty="0" err="1"/>
+              <a:t>vorherige</a:t>
+            </a:r>
+            <a:r>
+              <a:rPr lang="en-US" baseline="0" dirty="0"/>
+              <a:t> </a:t>
+            </a:r>
+            <a:r>
+              <a:rPr lang="en-US" baseline="0" dirty="0" err="1"/>
+              <a:t>Folie</a:t>
+            </a:r>
+            <a:r>
+              <a:rPr lang="en-US" baseline="0" dirty="0"/>
+              <a:t>; </a:t>
+            </a:r>
+            <a:r>
+              <a:rPr lang="en-US" baseline="0" dirty="0" err="1"/>
+              <a:t>Infos</a:t>
+            </a:r>
+            <a:r>
+              <a:rPr lang="en-US" baseline="0" dirty="0"/>
+              <a:t> von Factsheet </a:t>
+            </a:r>
+            <a:r>
+              <a:rPr lang="en-US" baseline="0" dirty="0" err="1"/>
+              <a:t>abschreiben</a:t>
+            </a:r>
+            <a:r>
+              <a:rPr lang="en-US" baseline="0" dirty="0"/>
+              <a:t>)</a:t>
+            </a:r>
             <a:endParaRPr lang="de-CH" dirty="0"/>
           </a:p>
         </p:txBody>
@@ -1599,6 +1626,121 @@
             <a:fld id="{3EBA5BD7-F043-4D1B-AA17-CD412FC534DE}" type="slidenum">
               <a:rPr lang="de-CH" smtClean="0"/>
               <a:t>8</a:t>
+            </a:fld>
+            <a:endParaRPr lang="de-CH"/>
+          </a:p>
+        </p:txBody>
+      </p:sp>
+    </p:spTree>
+    <p:extLst>
+      <p:ext uri="{BB962C8B-B14F-4D97-AF65-F5344CB8AC3E}">
+        <p14:creationId xmlns:p14="http://schemas.microsoft.com/office/powerpoint/2010/main" val="1911296279"/>
+      </p:ext>
+    </p:extLst>
+  </p:cSld>
+  <p:clrMapOvr>
+    <a:masterClrMapping/>
+  </p:clrMapOvr>
+</p:notes>
+</file>
+
+<file path=ppt/notesSlides/notesSlide7.xml><?xml version="1.0" encoding="utf-8"?>
+<p:notes xmlns:a="http://schemas.openxmlformats.org/drawingml/2006/main" xmlns:r="http://schemas.openxmlformats.org/officeDocument/2006/relationships" xmlns:p="http://schemas.openxmlformats.org/presentationml/2006/main">
+  <p:cSld>
+    <p:spTree>
+      <p:nvGrpSpPr>
+        <p:cNvPr id="1" name=""/>
+        <p:cNvGrpSpPr/>
+        <p:nvPr/>
+      </p:nvGrpSpPr>
+      <p:grpSpPr>
+        <a:xfrm>
+          <a:off x="0" y="0"/>
+          <a:ext cx="0" cy="0"/>
+          <a:chOff x="0" y="0"/>
+          <a:chExt cx="0" cy="0"/>
+        </a:xfrm>
+      </p:grpSpPr>
+      <p:sp>
+        <p:nvSpPr>
+          <p:cNvPr id="2" name="Folienbildplatzhalter 1"/>
+          <p:cNvSpPr>
+            <a:spLocks noGrp="1" noRot="1" noChangeAspect="1"/>
+          </p:cNvSpPr>
+          <p:nvPr>
+            <p:ph type="sldImg"/>
+          </p:nvPr>
+        </p:nvSpPr>
+        <p:spPr/>
+      </p:sp>
+      <p:sp>
+        <p:nvSpPr>
+          <p:cNvPr id="3" name="Notizenplatzhalter 2"/>
+          <p:cNvSpPr>
+            <a:spLocks noGrp="1"/>
+          </p:cNvSpPr>
+          <p:nvPr>
+            <p:ph type="body" idx="1"/>
+          </p:nvPr>
+        </p:nvSpPr>
+        <p:spPr/>
+        <p:txBody>
+          <a:bodyPr/>
+          <a:lstStyle/>
+          <a:p>
+            <a:r>
+              <a:rPr lang="en-US" dirty="0" err="1"/>
+              <a:t>Kurze</a:t>
+            </a:r>
+            <a:r>
+              <a:rPr lang="en-US" dirty="0"/>
+              <a:t> </a:t>
+            </a:r>
+            <a:r>
+              <a:rPr lang="en-US" dirty="0" err="1"/>
+              <a:t>Erklärung</a:t>
+            </a:r>
+            <a:r>
+              <a:rPr lang="en-US" baseline="0"/>
+              <a:t> Code</a:t>
+            </a:r>
+            <a:endParaRPr lang="en-US" baseline="0" dirty="0"/>
+          </a:p>
+          <a:p>
+            <a:r>
+              <a:rPr lang="en-US" baseline="0" dirty="0"/>
+              <a:t>Wiring</a:t>
+            </a:r>
+          </a:p>
+          <a:p>
+            <a:r>
+              <a:rPr lang="en-US" baseline="0" dirty="0"/>
+              <a:t>Demo</a:t>
+            </a:r>
+          </a:p>
+          <a:p>
+            <a:endParaRPr lang="de-CH" dirty="0"/>
+          </a:p>
+        </p:txBody>
+      </p:sp>
+      <p:sp>
+        <p:nvSpPr>
+          <p:cNvPr id="4" name="Foliennummernplatzhalter 3"/>
+          <p:cNvSpPr>
+            <a:spLocks noGrp="1"/>
+          </p:cNvSpPr>
+          <p:nvPr>
+            <p:ph type="sldNum" sz="quarter" idx="10"/>
+          </p:nvPr>
+        </p:nvSpPr>
+        <p:spPr/>
+        <p:txBody>
+          <a:bodyPr/>
+          <a:lstStyle/>
+          <a:p>
+            <a:fld id="{3EBA5BD7-F043-4D1B-AA17-CD412FC534DE}" type="slidenum">
+              <a:rPr lang="de-CH" smtClean="0"/>
+              <a:t>9</a:t>
             </a:fld>
             <a:endParaRPr lang="de-CH"/>
           </a:p>
@@ -2373,7 +2515,7 @@
           <a:p>
             <a:fld id="{F0DFD029-FB74-4578-B929-F66AA97659CA}" type="datetimeFigureOut">
               <a:rPr lang="de-DE" noProof="0" smtClean="0"/>
-              <a:t>24.03.2016</a:t>
+              <a:t>28.03.2016</a:t>
             </a:fld>
             <a:endParaRPr lang="de-DE" noProof="0" dirty="0"/>
           </a:p>
@@ -2571,7 +2713,7 @@
           <a:p>
             <a:fld id="{F0DFD029-FB74-4578-B929-F66AA97659CA}" type="datetimeFigureOut">
               <a:rPr lang="de-DE" noProof="0" smtClean="0"/>
-              <a:t>24.03.2016</a:t>
+              <a:t>28.03.2016</a:t>
             </a:fld>
             <a:endParaRPr lang="de-DE" noProof="0" dirty="0"/>
           </a:p>
@@ -2779,7 +2921,7 @@
           <a:p>
             <a:fld id="{F0DFD029-FB74-4578-B929-F66AA97659CA}" type="datetimeFigureOut">
               <a:rPr lang="de-DE" noProof="0" smtClean="0"/>
-              <a:t>24.03.2016</a:t>
+              <a:t>28.03.2016</a:t>
             </a:fld>
             <a:endParaRPr lang="de-DE" noProof="0" dirty="0"/>
           </a:p>
@@ -2977,7 +3119,7 @@
           <a:p>
             <a:fld id="{F0DFD029-FB74-4578-B929-F66AA97659CA}" type="datetimeFigureOut">
               <a:rPr lang="de-DE" noProof="0" smtClean="0"/>
-              <a:t>24.03.2016</a:t>
+              <a:t>28.03.2016</a:t>
             </a:fld>
             <a:endParaRPr lang="de-DE" noProof="0" dirty="0"/>
           </a:p>
@@ -3240,7 +3382,7 @@
           <a:p>
             <a:fld id="{F0DFD029-FB74-4578-B929-F66AA97659CA}" type="datetimeFigureOut">
               <a:rPr lang="de-DE" noProof="0" smtClean="0"/>
-              <a:t>24.03.2016</a:t>
+              <a:t>28.03.2016</a:t>
             </a:fld>
             <a:endParaRPr lang="de-DE" noProof="0" dirty="0"/>
           </a:p>
@@ -3718,7 +3860,7 @@
           <a:p>
             <a:fld id="{F0DFD029-FB74-4578-B929-F66AA97659CA}" type="datetimeFigureOut">
               <a:rPr lang="de-DE" noProof="0" smtClean="0"/>
-              <a:t>24.03.2016</a:t>
+              <a:t>28.03.2016</a:t>
             </a:fld>
             <a:endParaRPr lang="de-DE" noProof="0" dirty="0"/>
           </a:p>
@@ -4179,7 +4321,7 @@
           <a:p>
             <a:fld id="{F0DFD029-FB74-4578-B929-F66AA97659CA}" type="datetimeFigureOut">
               <a:rPr lang="de-DE" noProof="0" smtClean="0"/>
-              <a:t>24.03.2016</a:t>
+              <a:t>28.03.2016</a:t>
             </a:fld>
             <a:endParaRPr lang="de-DE" noProof="0" dirty="0"/>
           </a:p>
@@ -4309,7 +4451,7 @@
           <a:p>
             <a:fld id="{F0DFD029-FB74-4578-B929-F66AA97659CA}" type="datetimeFigureOut">
               <a:rPr lang="de-DE" noProof="0" smtClean="0"/>
-              <a:t>24.03.2016</a:t>
+              <a:t>28.03.2016</a:t>
             </a:fld>
             <a:endParaRPr lang="de-DE" noProof="0" dirty="0"/>
           </a:p>
@@ -4416,7 +4558,7 @@
           <a:p>
             <a:fld id="{F0DFD029-FB74-4578-B929-F66AA97659CA}" type="datetimeFigureOut">
               <a:rPr lang="de-DE" noProof="0" smtClean="0"/>
-              <a:t>24.03.2016</a:t>
+              <a:t>28.03.2016</a:t>
             </a:fld>
             <a:endParaRPr lang="de-DE" noProof="0" dirty="0"/>
           </a:p>
@@ -4715,7 +4857,7 @@
           <a:p>
             <a:fld id="{F0DFD029-FB74-4578-B929-F66AA97659CA}" type="datetimeFigureOut">
               <a:rPr lang="de-DE" noProof="0" smtClean="0"/>
-              <a:t>24.03.2016</a:t>
+              <a:t>28.03.2016</a:t>
             </a:fld>
             <a:endParaRPr lang="de-DE" noProof="0" dirty="0"/>
           </a:p>
@@ -5003,7 +5145,7 @@
           <a:p>
             <a:fld id="{F0DFD029-FB74-4578-B929-F66AA97659CA}" type="datetimeFigureOut">
               <a:rPr lang="de-DE" noProof="0" smtClean="0"/>
-              <a:t>24.03.2016</a:t>
+              <a:t>28.03.2016</a:t>
             </a:fld>
             <a:endParaRPr lang="de-DE" noProof="0" dirty="0"/>
           </a:p>
@@ -5624,7 +5766,7 @@
             <a:fld id="{F0DFD029-FB74-4578-B929-F66AA97659CA}" type="datetimeFigureOut">
               <a:rPr lang="de-DE" noProof="0" smtClean="0"/>
               <a:pPr/>
-              <a:t>24.03.2016</a:t>
+              <a:t>28.03.2016</a:t>
             </a:fld>
             <a:endParaRPr lang="de-DE" noProof="0" dirty="0"/>
           </a:p>
@@ -7380,6 +7522,139 @@
 </file>
 
 <file path=ppt/slides/slide8.xml><?xml version="1.0" encoding="utf-8"?>
+<p:sld xmlns:a="http://schemas.openxmlformats.org/drawingml/2006/main" xmlns:r="http://schemas.openxmlformats.org/officeDocument/2006/relationships" xmlns:p="http://schemas.openxmlformats.org/presentationml/2006/main">
+  <p:cSld>
+    <p:spTree>
+      <p:nvGrpSpPr>
+        <p:cNvPr id="1" name=""/>
+        <p:cNvGrpSpPr/>
+        <p:nvPr/>
+      </p:nvGrpSpPr>
+      <p:grpSpPr>
+        <a:xfrm>
+          <a:off x="0" y="0"/>
+          <a:ext cx="0" cy="0"/>
+          <a:chOff x="0" y="0"/>
+          <a:chExt cx="0" cy="0"/>
+        </a:xfrm>
+      </p:grpSpPr>
+      <p:sp>
+        <p:nvSpPr>
+          <p:cNvPr id="2" name="Titel 1"/>
+          <p:cNvSpPr>
+            <a:spLocks noGrp="1"/>
+          </p:cNvSpPr>
+          <p:nvPr>
+            <p:ph type="title"/>
+          </p:nvPr>
+        </p:nvSpPr>
+        <p:spPr/>
+        <p:txBody>
+          <a:bodyPr/>
+          <a:lstStyle/>
+          <a:p>
+            <a:r>
+              <a:rPr lang="en-US" dirty="0"/>
+              <a:t>LCD (HD44780 </a:t>
+            </a:r>
+            <a:r>
+              <a:rPr lang="en-US" dirty="0" err="1"/>
+              <a:t>kompatibel</a:t>
+            </a:r>
+            <a:r>
+              <a:rPr lang="en-US" dirty="0"/>
+              <a:t>)</a:t>
+            </a:r>
+            <a:endParaRPr lang="de-CH" dirty="0"/>
+          </a:p>
+        </p:txBody>
+      </p:sp>
+      <p:sp>
+        <p:nvSpPr>
+          <p:cNvPr id="3" name="Inhaltsplatzhalter 2"/>
+          <p:cNvSpPr>
+            <a:spLocks noGrp="1"/>
+          </p:cNvSpPr>
+          <p:nvPr>
+            <p:ph idx="1"/>
+          </p:nvPr>
+        </p:nvSpPr>
+        <p:spPr/>
+        <p:txBody>
+          <a:bodyPr/>
+          <a:lstStyle/>
+          <a:p>
+            <a:r>
+              <a:rPr lang="en-US" dirty="0"/>
+              <a:t>8 PINs </a:t>
+            </a:r>
+            <a:r>
+              <a:rPr lang="en-US" dirty="0" err="1"/>
+              <a:t>für</a:t>
+            </a:r>
+            <a:r>
+              <a:rPr lang="en-US" dirty="0"/>
+              <a:t> </a:t>
+            </a:r>
+            <a:r>
+              <a:rPr lang="en-US" dirty="0" err="1"/>
+              <a:t>Datenübertragung</a:t>
+            </a:r>
+            <a:endParaRPr lang="en-US" dirty="0"/>
+          </a:p>
+          <a:p>
+            <a:r>
+              <a:rPr lang="en-US" dirty="0"/>
+              <a:t>Register-Shift PIN</a:t>
+            </a:r>
+          </a:p>
+          <a:p>
+            <a:r>
+              <a:rPr lang="en-US" dirty="0" err="1"/>
+              <a:t>Gefahren</a:t>
+            </a:r>
+            <a:r>
+              <a:rPr lang="en-US" dirty="0"/>
+              <a:t> </a:t>
+            </a:r>
+            <a:r>
+              <a:rPr lang="en-US" dirty="0" err="1"/>
+              <a:t>bei</a:t>
+            </a:r>
+            <a:r>
+              <a:rPr lang="en-US" dirty="0"/>
+              <a:t> R/W PINs</a:t>
+            </a:r>
+            <a:endParaRPr lang="de-CH" dirty="0"/>
+          </a:p>
+        </p:txBody>
+      </p:sp>
+    </p:spTree>
+    <p:extLst>
+      <p:ext uri="{BB962C8B-B14F-4D97-AF65-F5344CB8AC3E}">
+        <p14:creationId xmlns:p14="http://schemas.microsoft.com/office/powerpoint/2010/main" val="565026012"/>
+      </p:ext>
+    </p:extLst>
+  </p:cSld>
+  <p:clrMapOvr>
+    <a:masterClrMapping/>
+  </p:clrMapOvr>
+  <mc:AlternateContent xmlns:mc="http://schemas.openxmlformats.org/markup-compatibility/2006" xmlns:p14="http://schemas.microsoft.com/office/powerpoint/2010/main">
+    <mc:Choice Requires="p14">
+      <p:transition spd="med" p14:dur="700">
+        <p:fade/>
+      </p:transition>
+    </mc:Choice>
+    <mc:Fallback xmlns="">
+      <p:transition spd="med">
+        <p:fade/>
+      </p:transition>
+    </mc:Fallback>
+  </mc:AlternateContent>
+</p:sld>
+</file>
+
+<file path=ppt/slides/slide9.xml><?xml version="1.0" encoding="utf-8"?>
 <p:sld xmlns:a="http://schemas.openxmlformats.org/drawingml/2006/main" xmlns:r="http://schemas.openxmlformats.org/officeDocument/2006/relationships" xmlns:p="http://schemas.openxmlformats.org/presentationml/2006/main">
   <p:cSld>
     <p:spTree>
